--- a/documentation/Work Flow/Work Flow - Project - COMP 3005.pptx
+++ b/documentation/Work Flow/Work Flow - Project - COMP 3005.pptx
@@ -104,6 +104,11 @@
       </a:defRPr>
     </a:lvl9pPr>
   </p:defaultTextStyle>
+  <p:extLst>
+    <p:ext uri="{EFAFB233-063F-42B5-8137-9DF3F51BA10A}">
+      <p15:sldGuideLst xmlns:p15="http://schemas.microsoft.com/office/powerpoint/2012/main"/>
+    </p:ext>
+  </p:extLst>
 </p:presentation>
 </file>
 
@@ -3336,13 +3341,13 @@
           <p:nvPr>
             <p:extLst>
               <p:ext uri="{D42A27DB-BD31-4B8C-83A1-F6EECF244321}">
-                <p14:modId xmlns:p14="http://schemas.microsoft.com/office/powerpoint/2010/main" val="2229306677"/>
+                <p14:modId xmlns:p14="http://schemas.microsoft.com/office/powerpoint/2010/main" val="2625097563"/>
               </p:ext>
             </p:extLst>
           </p:nvPr>
         </p:nvGraphicFramePr>
         <p:xfrm>
-          <a:off x="4729671" y="1535093"/>
+          <a:off x="4445460" y="1535093"/>
           <a:ext cx="1078230" cy="274320"/>
         </p:xfrm>
         <a:graphic>
@@ -3445,13 +3450,13 @@
           <p:nvPr>
             <p:extLst>
               <p:ext uri="{D42A27DB-BD31-4B8C-83A1-F6EECF244321}">
-                <p14:modId xmlns:p14="http://schemas.microsoft.com/office/powerpoint/2010/main" val="3068763019"/>
+                <p14:modId xmlns:p14="http://schemas.microsoft.com/office/powerpoint/2010/main" val="2646559827"/>
               </p:ext>
             </p:extLst>
           </p:nvPr>
         </p:nvGraphicFramePr>
         <p:xfrm>
-          <a:off x="2463211" y="1443653"/>
+          <a:off x="2179000" y="1443653"/>
           <a:ext cx="1078230" cy="457200"/>
         </p:xfrm>
         <a:graphic>
@@ -3554,13 +3559,13 @@
           <p:nvPr>
             <p:extLst>
               <p:ext uri="{D42A27DB-BD31-4B8C-83A1-F6EECF244321}">
-                <p14:modId xmlns:p14="http://schemas.microsoft.com/office/powerpoint/2010/main" val="2065715299"/>
+                <p14:modId xmlns:p14="http://schemas.microsoft.com/office/powerpoint/2010/main" val="766198802"/>
               </p:ext>
             </p:extLst>
           </p:nvPr>
         </p:nvGraphicFramePr>
         <p:xfrm>
-          <a:off x="7001533" y="1443653"/>
+          <a:off x="6717322" y="1443653"/>
           <a:ext cx="1078230" cy="457200"/>
         </p:xfrm>
         <a:graphic>
@@ -3663,13 +3668,13 @@
           <p:nvPr>
             <p:extLst>
               <p:ext uri="{D42A27DB-BD31-4B8C-83A1-F6EECF244321}">
-                <p14:modId xmlns:p14="http://schemas.microsoft.com/office/powerpoint/2010/main" val="3024565625"/>
+                <p14:modId xmlns:p14="http://schemas.microsoft.com/office/powerpoint/2010/main" val="3676998468"/>
               </p:ext>
             </p:extLst>
           </p:nvPr>
         </p:nvGraphicFramePr>
         <p:xfrm>
-          <a:off x="849515" y="1908269"/>
+          <a:off x="565304" y="1908269"/>
           <a:ext cx="1292981" cy="457200"/>
         </p:xfrm>
         <a:graphic>
@@ -3772,13 +3777,13 @@
           <p:nvPr>
             <p:extLst>
               <p:ext uri="{D42A27DB-BD31-4B8C-83A1-F6EECF244321}">
-                <p14:modId xmlns:p14="http://schemas.microsoft.com/office/powerpoint/2010/main" val="3724436899"/>
+                <p14:modId xmlns:p14="http://schemas.microsoft.com/office/powerpoint/2010/main" val="1903146775"/>
               </p:ext>
             </p:extLst>
           </p:nvPr>
         </p:nvGraphicFramePr>
         <p:xfrm>
-          <a:off x="849516" y="3015491"/>
+          <a:off x="565305" y="3015491"/>
           <a:ext cx="1292980" cy="274320"/>
         </p:xfrm>
         <a:graphic>
@@ -3881,13 +3886,13 @@
           <p:nvPr>
             <p:extLst>
               <p:ext uri="{D42A27DB-BD31-4B8C-83A1-F6EECF244321}">
-                <p14:modId xmlns:p14="http://schemas.microsoft.com/office/powerpoint/2010/main" val="2888495145"/>
+                <p14:modId xmlns:p14="http://schemas.microsoft.com/office/powerpoint/2010/main" val="2813915165"/>
               </p:ext>
             </p:extLst>
           </p:nvPr>
         </p:nvGraphicFramePr>
         <p:xfrm>
-          <a:off x="5877748" y="3023777"/>
+          <a:off x="4931382" y="3118367"/>
           <a:ext cx="1078230" cy="274320"/>
         </p:xfrm>
         <a:graphic>
@@ -3990,13 +3995,13 @@
           <p:nvPr>
             <p:extLst>
               <p:ext uri="{D42A27DB-BD31-4B8C-83A1-F6EECF244321}">
-                <p14:modId xmlns:p14="http://schemas.microsoft.com/office/powerpoint/2010/main" val="1760807499"/>
+                <p14:modId xmlns:p14="http://schemas.microsoft.com/office/powerpoint/2010/main" val="462393113"/>
               </p:ext>
             </p:extLst>
           </p:nvPr>
         </p:nvGraphicFramePr>
         <p:xfrm>
-          <a:off x="4322427" y="4259119"/>
+          <a:off x="3376061" y="4353709"/>
           <a:ext cx="1078230" cy="274320"/>
         </p:xfrm>
         <a:graphic>
@@ -4099,13 +4104,13 @@
           <p:nvPr>
             <p:extLst>
               <p:ext uri="{D42A27DB-BD31-4B8C-83A1-F6EECF244321}">
-                <p14:modId xmlns:p14="http://schemas.microsoft.com/office/powerpoint/2010/main" val="1402371781"/>
+                <p14:modId xmlns:p14="http://schemas.microsoft.com/office/powerpoint/2010/main" val="2404918299"/>
               </p:ext>
             </p:extLst>
           </p:nvPr>
         </p:nvGraphicFramePr>
         <p:xfrm>
-          <a:off x="5874264" y="4259119"/>
+          <a:off x="4927898" y="4353709"/>
           <a:ext cx="1078230" cy="274320"/>
         </p:xfrm>
         <a:graphic>
@@ -4208,13 +4213,13 @@
           <p:nvPr>
             <p:extLst>
               <p:ext uri="{D42A27DB-BD31-4B8C-83A1-F6EECF244321}">
-                <p14:modId xmlns:p14="http://schemas.microsoft.com/office/powerpoint/2010/main" val="3408886517"/>
+                <p14:modId xmlns:p14="http://schemas.microsoft.com/office/powerpoint/2010/main" val="2999892566"/>
               </p:ext>
             </p:extLst>
           </p:nvPr>
         </p:nvGraphicFramePr>
         <p:xfrm>
-          <a:off x="7351063" y="4259119"/>
+          <a:off x="6404697" y="4353709"/>
           <a:ext cx="1078230" cy="274320"/>
         </p:xfrm>
         <a:graphic>
@@ -4317,13 +4322,13 @@
           <p:nvPr>
             <p:extLst>
               <p:ext uri="{D42A27DB-BD31-4B8C-83A1-F6EECF244321}">
-                <p14:modId xmlns:p14="http://schemas.microsoft.com/office/powerpoint/2010/main" val="3914102698"/>
+                <p14:modId xmlns:p14="http://schemas.microsoft.com/office/powerpoint/2010/main" val="852471989"/>
               </p:ext>
             </p:extLst>
           </p:nvPr>
         </p:nvGraphicFramePr>
         <p:xfrm>
-          <a:off x="9677705" y="3302552"/>
+          <a:off x="9393494" y="3302552"/>
           <a:ext cx="1078230" cy="274320"/>
         </p:xfrm>
         <a:graphic>
@@ -4426,13 +4431,13 @@
           <p:nvPr>
             <p:extLst>
               <p:ext uri="{D42A27DB-BD31-4B8C-83A1-F6EECF244321}">
-                <p14:modId xmlns:p14="http://schemas.microsoft.com/office/powerpoint/2010/main" val="4153346003"/>
+                <p14:modId xmlns:p14="http://schemas.microsoft.com/office/powerpoint/2010/main" val="545215455"/>
               </p:ext>
             </p:extLst>
           </p:nvPr>
         </p:nvGraphicFramePr>
         <p:xfrm>
-          <a:off x="10388368" y="4236817"/>
+          <a:off x="9399975" y="4323316"/>
           <a:ext cx="1078230" cy="274320"/>
         </p:xfrm>
         <a:graphic>
@@ -4535,13 +4540,13 @@
           <p:nvPr>
             <p:extLst>
               <p:ext uri="{D42A27DB-BD31-4B8C-83A1-F6EECF244321}">
-                <p14:modId xmlns:p14="http://schemas.microsoft.com/office/powerpoint/2010/main" val="3792898405"/>
+                <p14:modId xmlns:p14="http://schemas.microsoft.com/office/powerpoint/2010/main" val="3238727255"/>
               </p:ext>
             </p:extLst>
           </p:nvPr>
         </p:nvGraphicFramePr>
         <p:xfrm>
-          <a:off x="8962745" y="4236817"/>
+          <a:off x="7974352" y="4323316"/>
           <a:ext cx="1078230" cy="274320"/>
         </p:xfrm>
         <a:graphic>
@@ -4644,13 +4649,13 @@
           <p:nvPr>
             <p:extLst>
               <p:ext uri="{D42A27DB-BD31-4B8C-83A1-F6EECF244321}">
-                <p14:modId xmlns:p14="http://schemas.microsoft.com/office/powerpoint/2010/main" val="2301850321"/>
+                <p14:modId xmlns:p14="http://schemas.microsoft.com/office/powerpoint/2010/main" val="4157459328"/>
               </p:ext>
             </p:extLst>
           </p:nvPr>
         </p:nvGraphicFramePr>
         <p:xfrm>
-          <a:off x="10464435" y="1999709"/>
+          <a:off x="10180224" y="1999709"/>
           <a:ext cx="1078230" cy="274320"/>
         </p:xfrm>
         <a:graphic>
@@ -4753,13 +4758,13 @@
           <p:nvPr>
             <p:extLst>
               <p:ext uri="{D42A27DB-BD31-4B8C-83A1-F6EECF244321}">
-                <p14:modId xmlns:p14="http://schemas.microsoft.com/office/powerpoint/2010/main" val="1363908305"/>
+                <p14:modId xmlns:p14="http://schemas.microsoft.com/office/powerpoint/2010/main" val="3698594858"/>
               </p:ext>
             </p:extLst>
           </p:nvPr>
         </p:nvGraphicFramePr>
         <p:xfrm>
-          <a:off x="4622295" y="2474658"/>
+          <a:off x="4338084" y="2474658"/>
           <a:ext cx="1292981" cy="457200"/>
         </p:xfrm>
         <a:graphic>
@@ -4862,13 +4867,13 @@
           <p:nvPr>
             <p:extLst>
               <p:ext uri="{D42A27DB-BD31-4B8C-83A1-F6EECF244321}">
-                <p14:modId xmlns:p14="http://schemas.microsoft.com/office/powerpoint/2010/main" val="3385065644"/>
+                <p14:modId xmlns:p14="http://schemas.microsoft.com/office/powerpoint/2010/main" val="1809017486"/>
               </p:ext>
             </p:extLst>
           </p:nvPr>
         </p:nvGraphicFramePr>
         <p:xfrm>
-          <a:off x="7792553" y="1999709"/>
+          <a:off x="7508342" y="1999709"/>
           <a:ext cx="1292981" cy="274320"/>
         </p:xfrm>
         <a:graphic>
@@ -4973,7 +4978,7 @@
         </p:nvCxnSpPr>
         <p:spPr>
           <a:xfrm rot="10800000" flipV="1">
-            <a:off x="2142496" y="1809413"/>
+            <a:off x="1858285" y="1809413"/>
             <a:ext cx="2918394" cy="327456"/>
           </a:xfrm>
           <a:prstGeom prst="bentConnector3">
@@ -5018,7 +5023,7 @@
         </p:nvCxnSpPr>
         <p:spPr>
           <a:xfrm>
-            <a:off x="5503718" y="1815767"/>
+            <a:off x="5219507" y="1815767"/>
             <a:ext cx="2288835" cy="321102"/>
           </a:xfrm>
           <a:prstGeom prst="bentConnector3">
@@ -5064,7 +5069,7 @@
         </p:nvCxnSpPr>
         <p:spPr>
           <a:xfrm flipV="1">
-            <a:off x="5268785" y="1809413"/>
+            <a:off x="4984574" y="1809413"/>
             <a:ext cx="1" cy="665245"/>
           </a:xfrm>
           <a:prstGeom prst="straightConnector1">
@@ -5106,7 +5111,7 @@
         </p:nvCxnSpPr>
         <p:spPr>
           <a:xfrm>
-            <a:off x="1815352" y="2362913"/>
+            <a:off x="1531141" y="2362913"/>
             <a:ext cx="2806943" cy="340345"/>
           </a:xfrm>
           <a:prstGeom prst="bentConnector3">
@@ -5151,7 +5156,7 @@
         </p:nvCxnSpPr>
         <p:spPr>
           <a:xfrm rot="5400000">
-            <a:off x="6962546" y="1226760"/>
+            <a:off x="6678335" y="1226760"/>
             <a:ext cx="429229" cy="2523767"/>
           </a:xfrm>
           <a:prstGeom prst="bentConnector2">
@@ -5194,7 +5199,7 @@
         </p:nvCxnSpPr>
         <p:spPr>
           <a:xfrm>
-            <a:off x="1496005" y="2365469"/>
+            <a:off x="1211794" y="2365469"/>
             <a:ext cx="1" cy="650022"/>
           </a:xfrm>
           <a:prstGeom prst="straightConnector1">
@@ -5238,7 +5243,7 @@
         </p:nvCxnSpPr>
         <p:spPr>
           <a:xfrm rot="16200000" flipH="1">
-            <a:off x="8475533" y="2237539"/>
+            <a:off x="8191322" y="2237539"/>
             <a:ext cx="1165683" cy="1238662"/>
           </a:xfrm>
           <a:prstGeom prst="bentConnector2">
@@ -5281,7 +5286,7 @@
         </p:nvCxnSpPr>
         <p:spPr>
           <a:xfrm>
-            <a:off x="9085534" y="2136869"/>
+            <a:off x="8801323" y="2136869"/>
             <a:ext cx="1378901" cy="0"/>
           </a:xfrm>
           <a:prstGeom prst="straightConnector1">
@@ -5325,8 +5330,8 @@
         </p:nvCxnSpPr>
         <p:spPr>
           <a:xfrm rot="5400000">
-            <a:off x="7254057" y="1975951"/>
-            <a:ext cx="886908" cy="1483065"/>
+            <a:off x="6591473" y="1692168"/>
+            <a:ext cx="981498" cy="2145220"/>
           </a:xfrm>
           <a:prstGeom prst="bentConnector2">
             <a:avLst/>
@@ -5369,8 +5374,8 @@
         </p:nvCxnSpPr>
         <p:spPr>
           <a:xfrm rot="5400000">
-            <a:off x="9529368" y="3549364"/>
-            <a:ext cx="659945" cy="714960"/>
+            <a:off x="8849816" y="3240523"/>
+            <a:ext cx="746444" cy="1419142"/>
           </a:xfrm>
           <a:prstGeom prst="bentConnector3">
             <a:avLst>
@@ -5413,14 +5418,12 @@
           <p:nvPr/>
         </p:nvCxnSpPr>
         <p:spPr>
-          <a:xfrm rot="16200000" flipH="1">
-            <a:off x="10242179" y="3551512"/>
-            <a:ext cx="659945" cy="710663"/>
+          <a:xfrm>
+            <a:off x="9932609" y="3576872"/>
+            <a:ext cx="6481" cy="746444"/>
           </a:xfrm>
-          <a:prstGeom prst="bentConnector3">
-            <a:avLst>
-              <a:gd name="adj1" fmla="val 50000"/>
-            </a:avLst>
+          <a:prstGeom prst="straightConnector1">
+            <a:avLst/>
           </a:prstGeom>
           <a:ln w="12700">
             <a:headEnd type="triangle"/>
@@ -5460,12 +5463,12 @@
         </p:nvCxnSpPr>
         <p:spPr>
           <a:xfrm rot="5400000">
-            <a:off x="5158692" y="3000948"/>
+            <a:off x="4212326" y="3095538"/>
             <a:ext cx="961022" cy="1555321"/>
           </a:xfrm>
           <a:prstGeom prst="bentConnector3">
             <a:avLst>
-              <a:gd name="adj1" fmla="val 37236"/>
+              <a:gd name="adj1" fmla="val 50000"/>
             </a:avLst>
           </a:prstGeom>
           <a:ln w="12700">
@@ -5505,12 +5508,12 @@
         </p:nvCxnSpPr>
         <p:spPr>
           <a:xfrm rot="16200000" flipH="1">
-            <a:off x="6673009" y="3041950"/>
+            <a:off x="5726643" y="3136540"/>
             <a:ext cx="961022" cy="1473315"/>
           </a:xfrm>
           <a:prstGeom prst="bentConnector3">
             <a:avLst>
-              <a:gd name="adj1" fmla="val 37235"/>
+              <a:gd name="adj1" fmla="val 50000"/>
             </a:avLst>
           </a:prstGeom>
           <a:ln w="12700">
@@ -5550,7 +5553,7 @@
         </p:nvCxnSpPr>
         <p:spPr>
           <a:xfrm flipH="1">
-            <a:off x="6413379" y="3298097"/>
+            <a:off x="5467013" y="3392687"/>
             <a:ext cx="3484" cy="961022"/>
           </a:xfrm>
           <a:prstGeom prst="straightConnector1">
@@ -5594,7 +5597,7 @@
         </p:nvCxnSpPr>
         <p:spPr>
           <a:xfrm flipH="1">
-            <a:off x="3541441" y="1672253"/>
+            <a:off x="3257230" y="1672253"/>
             <a:ext cx="1188230" cy="0"/>
           </a:xfrm>
           <a:prstGeom prst="straightConnector1">
@@ -5638,7 +5641,7 @@
         </p:nvCxnSpPr>
         <p:spPr>
           <a:xfrm flipH="1">
-            <a:off x="5807901" y="1672253"/>
+            <a:off x="5523690" y="1672253"/>
             <a:ext cx="1193632" cy="0"/>
           </a:xfrm>
           <a:prstGeom prst="straightConnector1">
@@ -5678,7 +5681,7 @@
         </p:nvSpPr>
         <p:spPr>
           <a:xfrm>
-            <a:off x="1783441" y="2510228"/>
+            <a:off x="1499230" y="2510228"/>
             <a:ext cx="543739" cy="261610"/>
           </a:xfrm>
           <a:prstGeom prst="rect">
@@ -5718,7 +5721,7 @@
         </p:nvSpPr>
         <p:spPr>
           <a:xfrm>
-            <a:off x="7955808" y="2442875"/>
+            <a:off x="7671597" y="2442875"/>
             <a:ext cx="543739" cy="261610"/>
           </a:xfrm>
           <a:prstGeom prst="rect">
@@ -5758,7 +5761,7 @@
         </p:nvSpPr>
         <p:spPr>
           <a:xfrm>
-            <a:off x="843114" y="2362913"/>
+            <a:off x="558903" y="2362913"/>
             <a:ext cx="684803" cy="261610"/>
           </a:xfrm>
           <a:prstGeom prst="rect">
@@ -5798,7 +5801,7 @@
         </p:nvSpPr>
         <p:spPr>
           <a:xfrm>
-            <a:off x="541870" y="2760236"/>
+            <a:off x="257659" y="2760236"/>
             <a:ext cx="976549" cy="261610"/>
           </a:xfrm>
           <a:prstGeom prst="rect">
@@ -5838,7 +5841,7 @@
         </p:nvSpPr>
         <p:spPr>
           <a:xfrm>
-            <a:off x="4395702" y="1881462"/>
+            <a:off x="4111491" y="1881462"/>
             <a:ext cx="750526" cy="261610"/>
           </a:xfrm>
           <a:prstGeom prst="rect">
@@ -5878,7 +5881,7 @@
         </p:nvSpPr>
         <p:spPr>
           <a:xfrm>
-            <a:off x="5485341" y="1878887"/>
+            <a:off x="5201130" y="1878887"/>
             <a:ext cx="861133" cy="261610"/>
           </a:xfrm>
           <a:prstGeom prst="rect">
@@ -5918,7 +5921,7 @@
         </p:nvSpPr>
         <p:spPr>
           <a:xfrm>
-            <a:off x="5229277" y="2227033"/>
+            <a:off x="4945066" y="2227033"/>
             <a:ext cx="622286" cy="261610"/>
           </a:xfrm>
           <a:prstGeom prst="rect">
@@ -5958,7 +5961,7 @@
         </p:nvSpPr>
         <p:spPr>
           <a:xfrm>
-            <a:off x="3487618" y="1443653"/>
+            <a:off x="3203407" y="1443653"/>
             <a:ext cx="535724" cy="261610"/>
           </a:xfrm>
           <a:prstGeom prst="rect">
@@ -5998,7 +6001,7 @@
         </p:nvSpPr>
         <p:spPr>
           <a:xfrm>
-            <a:off x="4150282" y="1443846"/>
+            <a:off x="3866071" y="1443846"/>
             <a:ext cx="620683" cy="261610"/>
           </a:xfrm>
           <a:prstGeom prst="rect">
@@ -6038,7 +6041,7 @@
         </p:nvSpPr>
         <p:spPr>
           <a:xfrm>
-            <a:off x="5819506" y="1463044"/>
+            <a:off x="5535295" y="1463044"/>
             <a:ext cx="567784" cy="261610"/>
           </a:xfrm>
           <a:prstGeom prst="rect">
@@ -6078,7 +6081,7 @@
         </p:nvSpPr>
         <p:spPr>
           <a:xfrm>
-            <a:off x="6475089" y="1450007"/>
+            <a:off x="6190878" y="1450007"/>
             <a:ext cx="535724" cy="261610"/>
           </a:xfrm>
           <a:prstGeom prst="rect">
@@ -6118,7 +6121,7 @@
         </p:nvSpPr>
         <p:spPr>
           <a:xfrm>
-            <a:off x="9106993" y="1757696"/>
+            <a:off x="8822782" y="1757696"/>
             <a:ext cx="535724" cy="430887"/>
           </a:xfrm>
           <a:prstGeom prst="rect">
@@ -6166,7 +6169,7 @@
         </p:nvSpPr>
         <p:spPr>
           <a:xfrm>
-            <a:off x="9885307" y="1763771"/>
+            <a:off x="9601096" y="1763771"/>
             <a:ext cx="627095" cy="430887"/>
           </a:xfrm>
           <a:prstGeom prst="rect">
@@ -6216,7 +6219,7 @@
         </p:nvSpPr>
         <p:spPr>
           <a:xfrm>
-            <a:off x="9085534" y="3056408"/>
+            <a:off x="8801323" y="3056408"/>
             <a:ext cx="627095" cy="430887"/>
           </a:xfrm>
           <a:prstGeom prst="rect">
@@ -6266,8 +6269,8 @@
         </p:nvSpPr>
         <p:spPr>
           <a:xfrm>
-            <a:off x="6978499" y="2787147"/>
-            <a:ext cx="627095" cy="430887"/>
+            <a:off x="6007419" y="3042377"/>
+            <a:ext cx="920445" cy="261610"/>
           </a:xfrm>
           <a:prstGeom prst="rect">
             <a:avLst/>
@@ -6284,15 +6287,7 @@
               <a:rPr lang="en-US" sz="1100" i="1" dirty="0">
                 <a:latin typeface="Times" pitchFamily="2" charset="0"/>
               </a:rPr>
-              <a:t>change </a:t>
-            </a:r>
-          </a:p>
-          <a:p>
-            <a:r>
-              <a:rPr lang="en-US" sz="1100" i="1" dirty="0">
-                <a:latin typeface="Times" pitchFamily="2" charset="0"/>
-              </a:rPr>
-              <a:t>view</a:t>
+              <a:t>change view</a:t>
             </a:r>
             <a:endParaRPr lang="en-US" i="1" dirty="0">
               <a:latin typeface="Times" pitchFamily="2" charset="0"/>
@@ -6314,7 +6309,7 @@
         </p:nvSpPr>
         <p:spPr>
           <a:xfrm>
-            <a:off x="8449853" y="3399457"/>
+            <a:off x="8165642" y="3399457"/>
             <a:ext cx="724245" cy="261610"/>
           </a:xfrm>
           <a:prstGeom prst="rect">
@@ -6354,7 +6349,7 @@
         </p:nvSpPr>
         <p:spPr>
           <a:xfrm>
-            <a:off x="7810268" y="2924494"/>
+            <a:off x="7526057" y="3019084"/>
             <a:ext cx="724245" cy="261610"/>
           </a:xfrm>
           <a:prstGeom prst="rect">
@@ -6394,7 +6389,7 @@
         </p:nvSpPr>
         <p:spPr>
           <a:xfrm>
-            <a:off x="7861206" y="3997509"/>
+            <a:off x="6914840" y="4092099"/>
             <a:ext cx="885179" cy="261610"/>
           </a:xfrm>
           <a:prstGeom prst="rect">
@@ -6434,7 +6429,7 @@
         </p:nvSpPr>
         <p:spPr>
           <a:xfrm>
-            <a:off x="6375744" y="3991155"/>
+            <a:off x="5429378" y="4085745"/>
             <a:ext cx="885179" cy="261610"/>
           </a:xfrm>
           <a:prstGeom prst="rect">
@@ -6474,7 +6469,7 @@
         </p:nvSpPr>
         <p:spPr>
           <a:xfrm>
-            <a:off x="4825328" y="4007363"/>
+            <a:off x="3878962" y="4101953"/>
             <a:ext cx="885179" cy="261610"/>
           </a:xfrm>
           <a:prstGeom prst="rect">
@@ -6514,7 +6509,7 @@
         </p:nvSpPr>
         <p:spPr>
           <a:xfrm>
-            <a:off x="6644725" y="3458091"/>
+            <a:off x="5635299" y="3657781"/>
             <a:ext cx="673582" cy="261610"/>
           </a:xfrm>
           <a:prstGeom prst="rect">
@@ -6554,7 +6549,7 @@
         </p:nvSpPr>
         <p:spPr>
           <a:xfrm>
-            <a:off x="5482664" y="3444676"/>
+            <a:off x="4599358" y="3633856"/>
             <a:ext cx="705642" cy="261610"/>
           </a:xfrm>
           <a:prstGeom prst="rect">
@@ -6594,7 +6589,7 @@
         </p:nvSpPr>
         <p:spPr>
           <a:xfrm>
-            <a:off x="5759069" y="3647264"/>
+            <a:off x="4823213" y="3825934"/>
             <a:ext cx="715260" cy="430887"/>
           </a:xfrm>
           <a:prstGeom prst="rect">
@@ -6644,7 +6639,7 @@
         </p:nvSpPr>
         <p:spPr>
           <a:xfrm>
-            <a:off x="8951339" y="3838086"/>
+            <a:off x="7962946" y="3924585"/>
             <a:ext cx="591829" cy="430887"/>
           </a:xfrm>
           <a:prstGeom prst="rect">
@@ -6694,7 +6689,7 @@
         </p:nvSpPr>
         <p:spPr>
           <a:xfrm>
-            <a:off x="10206954" y="3689372"/>
+            <a:off x="9307314" y="3959696"/>
             <a:ext cx="704039" cy="261610"/>
           </a:xfrm>
           <a:prstGeom prst="rect">
@@ -6734,8 +6729,8 @@
         </p:nvSpPr>
         <p:spPr>
           <a:xfrm>
-            <a:off x="10901126" y="3862707"/>
-            <a:ext cx="591829" cy="430887"/>
+            <a:off x="9903427" y="4070074"/>
+            <a:ext cx="885179" cy="261610"/>
           </a:xfrm>
           <a:prstGeom prst="rect">
             <a:avLst/>
@@ -6752,15 +6747,7 @@
               <a:rPr lang="en-US" sz="1100" i="1" dirty="0">
                 <a:latin typeface="Times" pitchFamily="2" charset="0"/>
               </a:rPr>
-              <a:t>change</a:t>
-            </a:r>
-          </a:p>
-          <a:p>
-            <a:r>
-              <a:rPr lang="en-US" sz="1100" i="1" dirty="0">
-                <a:latin typeface="Times" pitchFamily="2" charset="0"/>
-              </a:rPr>
-              <a:t>view</a:t>
+              <a:t>change view</a:t>
             </a:r>
             <a:endParaRPr lang="en-US" i="1" dirty="0">
               <a:latin typeface="Times" pitchFamily="2" charset="0"/>
@@ -6782,7 +6769,7 @@
         </p:nvSpPr>
         <p:spPr>
           <a:xfrm>
-            <a:off x="9588827" y="3685856"/>
+            <a:off x="8884360" y="3735284"/>
             <a:ext cx="671979" cy="261610"/>
           </a:xfrm>
           <a:prstGeom prst="rect">
@@ -6823,13 +6810,13 @@
           <p:nvPr>
             <p:extLst>
               <p:ext uri="{D42A27DB-BD31-4B8C-83A1-F6EECF244321}">
-                <p14:modId xmlns:p14="http://schemas.microsoft.com/office/powerpoint/2010/main" val="248366739"/>
+                <p14:modId xmlns:p14="http://schemas.microsoft.com/office/powerpoint/2010/main" val="2540552799"/>
               </p:ext>
             </p:extLst>
           </p:nvPr>
         </p:nvGraphicFramePr>
         <p:xfrm>
-          <a:off x="4622296" y="773050"/>
+          <a:off x="4338085" y="773050"/>
           <a:ext cx="1292981" cy="274320"/>
         </p:xfrm>
         <a:graphic>
@@ -6935,7 +6922,7 @@
         </p:nvCxnSpPr>
         <p:spPr>
           <a:xfrm rot="16200000" flipV="1">
-            <a:off x="6632411" y="193077"/>
+            <a:off x="6348200" y="193077"/>
             <a:ext cx="1089499" cy="2523766"/>
           </a:xfrm>
           <a:prstGeom prst="bentConnector2">
@@ -6980,7 +6967,7 @@
         </p:nvCxnSpPr>
         <p:spPr>
           <a:xfrm rot="10800000" flipV="1">
-            <a:off x="1496006" y="910209"/>
+            <a:off x="1211795" y="910209"/>
             <a:ext cx="3126291" cy="998059"/>
           </a:xfrm>
           <a:prstGeom prst="bentConnector2">
@@ -7020,7 +7007,7 @@
         </p:nvSpPr>
         <p:spPr>
           <a:xfrm>
-            <a:off x="5973918" y="682505"/>
+            <a:off x="5689707" y="682505"/>
             <a:ext cx="551754" cy="261610"/>
           </a:xfrm>
           <a:prstGeom prst="rect">
@@ -7060,7 +7047,7 @@
         </p:nvSpPr>
         <p:spPr>
           <a:xfrm>
-            <a:off x="8391077" y="1600323"/>
+            <a:off x="8106866" y="1600323"/>
             <a:ext cx="627095" cy="430887"/>
           </a:xfrm>
           <a:prstGeom prst="rect">
@@ -7108,7 +7095,7 @@
         </p:nvSpPr>
         <p:spPr>
           <a:xfrm>
-            <a:off x="4011284" y="670216"/>
+            <a:off x="3727073" y="670216"/>
             <a:ext cx="622286" cy="261610"/>
           </a:xfrm>
           <a:prstGeom prst="rect">
@@ -7148,7 +7135,7 @@
         </p:nvGrpSpPr>
         <p:grpSpPr>
           <a:xfrm>
-            <a:off x="5112166" y="1134125"/>
+            <a:off x="4827955" y="1134125"/>
             <a:ext cx="313240" cy="299358"/>
             <a:chOff x="5087417" y="1134125"/>
             <a:chExt cx="313240" cy="299358"/>
@@ -7277,7 +7264,7 @@
         </p:nvCxnSpPr>
         <p:spPr>
           <a:xfrm>
-            <a:off x="5268786" y="1433483"/>
+            <a:off x="4984575" y="1433483"/>
             <a:ext cx="0" cy="101610"/>
           </a:xfrm>
           <a:prstGeom prst="line">
@@ -7299,6 +7286,248 @@
           </a:fontRef>
         </p:style>
       </p:cxnSp>
+      <p:graphicFrame>
+        <p:nvGraphicFramePr>
+          <p:cNvPr id="71" name="Table 70">
+            <a:extLst>
+              <a:ext uri="{FF2B5EF4-FFF2-40B4-BE49-F238E27FC236}">
+                <a16:creationId xmlns:a16="http://schemas.microsoft.com/office/drawing/2014/main" id="{AFE1112B-F07F-3E4B-8D21-55226C56B4D8}"/>
+              </a:ext>
+            </a:extLst>
+          </p:cNvPr>
+          <p:cNvGraphicFramePr>
+            <a:graphicFrameLocks noGrp="1"/>
+          </p:cNvGraphicFramePr>
+          <p:nvPr>
+            <p:extLst>
+              <p:ext uri="{D42A27DB-BD31-4B8C-83A1-F6EECF244321}">
+                <p14:modId xmlns:p14="http://schemas.microsoft.com/office/powerpoint/2010/main" val="3647063290"/>
+              </p:ext>
+            </p:extLst>
+          </p:nvPr>
+        </p:nvGraphicFramePr>
+        <p:xfrm>
+          <a:off x="10829559" y="4309403"/>
+          <a:ext cx="1078230" cy="274320"/>
+        </p:xfrm>
+        <a:graphic>
+          <a:graphicData uri="http://schemas.openxmlformats.org/drawingml/2006/table">
+            <a:tbl>
+              <a:tblPr firstRow="1" bandRow="1">
+                <a:tableStyleId>{5FD0F851-EC5A-4D38-B0AD-8093EC10F338}</a:tableStyleId>
+              </a:tblPr>
+              <a:tblGrid>
+                <a:gridCol w="1078230">
+                  <a:extLst>
+                    <a:ext uri="{9D8B030D-6E8A-4147-A177-3AD203B41FA5}">
+                      <a16:colId xmlns:a16="http://schemas.microsoft.com/office/drawing/2014/main" val="1069656790"/>
+                    </a:ext>
+                  </a:extLst>
+                </a:gridCol>
+              </a:tblGrid>
+              <a:tr h="0">
+                <a:tc>
+                  <a:txBody>
+                    <a:bodyPr/>
+                    <a:lstStyle/>
+                    <a:p>
+                      <a:pPr algn="ctr"/>
+                      <a:r>
+                        <a:rPr lang="en-US" sz="1200" b="0" dirty="0">
+                          <a:latin typeface="Times" pitchFamily="2" charset="0"/>
+                        </a:rPr>
+                        <a:t>Edit Order</a:t>
+                      </a:r>
+                    </a:p>
+                  </a:txBody>
+                  <a:tcPr anchor="ctr">
+                    <a:lnL w="9525" cap="flat" cmpd="sng" algn="ctr">
+                      <a:solidFill>
+                        <a:schemeClr val="tx1"/>
+                      </a:solidFill>
+                      <a:prstDash val="solid"/>
+                      <a:round/>
+                      <a:headEnd type="none" w="med" len="med"/>
+                      <a:tailEnd type="none" w="med" len="med"/>
+                    </a:lnL>
+                    <a:lnR w="9525" cap="flat" cmpd="sng" algn="ctr">
+                      <a:solidFill>
+                        <a:schemeClr val="tx1"/>
+                      </a:solidFill>
+                      <a:prstDash val="solid"/>
+                      <a:round/>
+                      <a:headEnd type="none" w="med" len="med"/>
+                      <a:tailEnd type="none" w="med" len="med"/>
+                    </a:lnR>
+                    <a:lnT w="9525" cap="flat" cmpd="sng" algn="ctr">
+                      <a:solidFill>
+                        <a:schemeClr val="tx1"/>
+                      </a:solidFill>
+                      <a:prstDash val="solid"/>
+                      <a:round/>
+                      <a:headEnd type="none" w="med" len="med"/>
+                      <a:tailEnd type="none" w="med" len="med"/>
+                    </a:lnT>
+                    <a:lnB w="9525" cap="flat" cmpd="sng" algn="ctr">
+                      <a:solidFill>
+                        <a:schemeClr val="tx1"/>
+                      </a:solidFill>
+                      <a:prstDash val="solid"/>
+                      <a:round/>
+                      <a:headEnd type="none" w="med" len="med"/>
+                      <a:tailEnd type="none" w="med" len="med"/>
+                    </a:lnB>
+                    <a:solidFill>
+                      <a:schemeClr val="accent5">
+                        <a:lumMod val="40000"/>
+                        <a:lumOff val="60000"/>
+                      </a:schemeClr>
+                    </a:solidFill>
+                  </a:tcPr>
+                </a:tc>
+                <a:extLst>
+                  <a:ext uri="{0D108BD9-81ED-4DB2-BD59-A6C34878D82A}">
+                    <a16:rowId xmlns:a16="http://schemas.microsoft.com/office/drawing/2014/main" val="3513791863"/>
+                  </a:ext>
+                </a:extLst>
+              </a:tr>
+            </a:tbl>
+          </a:graphicData>
+        </a:graphic>
+      </p:graphicFrame>
+      <p:cxnSp>
+        <p:nvCxnSpPr>
+          <p:cNvPr id="72" name="Straight Arrow Connector 98">
+            <a:extLst>
+              <a:ext uri="{FF2B5EF4-FFF2-40B4-BE49-F238E27FC236}">
+                <a16:creationId xmlns:a16="http://schemas.microsoft.com/office/drawing/2014/main" id="{336ACC82-8F7E-E34A-AC86-0AE90069304E}"/>
+              </a:ext>
+            </a:extLst>
+          </p:cNvPr>
+          <p:cNvCxnSpPr>
+            <a:cxnSpLocks/>
+            <a:stCxn id="13" idx="2"/>
+            <a:endCxn id="71" idx="0"/>
+          </p:cNvCxnSpPr>
+          <p:nvPr/>
+        </p:nvCxnSpPr>
+        <p:spPr>
+          <a:xfrm rot="16200000" flipH="1">
+            <a:off x="10284376" y="3225104"/>
+            <a:ext cx="732531" cy="1436065"/>
+          </a:xfrm>
+          <a:prstGeom prst="bentConnector3">
+            <a:avLst>
+              <a:gd name="adj1" fmla="val 50000"/>
+            </a:avLst>
+          </a:prstGeom>
+          <a:ln w="12700">
+            <a:tailEnd type="triangle"/>
+          </a:ln>
+        </p:spPr>
+        <p:style>
+          <a:lnRef idx="1">
+            <a:schemeClr val="accent1"/>
+          </a:lnRef>
+          <a:fillRef idx="0">
+            <a:schemeClr val="accent1"/>
+          </a:fillRef>
+          <a:effectRef idx="0">
+            <a:schemeClr val="accent1"/>
+          </a:effectRef>
+          <a:fontRef idx="minor">
+            <a:schemeClr val="tx1"/>
+          </a:fontRef>
+        </p:style>
+      </p:cxnSp>
+      <p:sp>
+        <p:nvSpPr>
+          <p:cNvPr id="76" name="TextBox 75">
+            <a:extLst>
+              <a:ext uri="{FF2B5EF4-FFF2-40B4-BE49-F238E27FC236}">
+                <a16:creationId xmlns:a16="http://schemas.microsoft.com/office/drawing/2014/main" id="{1BB11E40-9B20-E846-BAAA-05D6D4DF8988}"/>
+              </a:ext>
+            </a:extLst>
+          </p:cNvPr>
+          <p:cNvSpPr txBox="1"/>
+          <p:nvPr/>
+        </p:nvSpPr>
+        <p:spPr>
+          <a:xfrm>
+            <a:off x="11327720" y="3917134"/>
+            <a:ext cx="591829" cy="430887"/>
+          </a:xfrm>
+          <a:prstGeom prst="rect">
+            <a:avLst/>
+          </a:prstGeom>
+          <a:noFill/>
+        </p:spPr>
+        <p:txBody>
+          <a:bodyPr wrap="none" rtlCol="0">
+            <a:spAutoFit/>
+          </a:bodyPr>
+          <a:lstStyle/>
+          <a:p>
+            <a:r>
+              <a:rPr lang="en-US" sz="1100" i="1" dirty="0">
+                <a:latin typeface="Times" pitchFamily="2" charset="0"/>
+              </a:rPr>
+              <a:t>change</a:t>
+            </a:r>
+          </a:p>
+          <a:p>
+            <a:r>
+              <a:rPr lang="en-US" sz="1100" i="1" dirty="0">
+                <a:latin typeface="Times" pitchFamily="2" charset="0"/>
+              </a:rPr>
+              <a:t>view</a:t>
+            </a:r>
+            <a:endParaRPr lang="en-US" i="1" dirty="0">
+              <a:latin typeface="Times" pitchFamily="2" charset="0"/>
+            </a:endParaRPr>
+          </a:p>
+        </p:txBody>
+      </p:sp>
+      <p:sp>
+        <p:nvSpPr>
+          <p:cNvPr id="77" name="TextBox 76">
+            <a:extLst>
+              <a:ext uri="{FF2B5EF4-FFF2-40B4-BE49-F238E27FC236}">
+                <a16:creationId xmlns:a16="http://schemas.microsoft.com/office/drawing/2014/main" id="{DF98B8F6-17D6-5C49-BFD8-283C8D21F6AE}"/>
+              </a:ext>
+            </a:extLst>
+          </p:cNvPr>
+          <p:cNvSpPr txBox="1"/>
+          <p:nvPr/>
+        </p:nvSpPr>
+        <p:spPr>
+          <a:xfrm>
+            <a:off x="10262149" y="3737354"/>
+            <a:ext cx="742511" cy="261610"/>
+          </a:xfrm>
+          <a:prstGeom prst="rect">
+            <a:avLst/>
+          </a:prstGeom>
+          <a:noFill/>
+        </p:spPr>
+        <p:txBody>
+          <a:bodyPr wrap="none" rtlCol="0">
+            <a:spAutoFit/>
+          </a:bodyPr>
+          <a:lstStyle/>
+          <a:p>
+            <a:r>
+              <a:rPr lang="en-US" sz="1100" i="1" dirty="0">
+                <a:latin typeface="Times" pitchFamily="2" charset="0"/>
+              </a:rPr>
+              <a:t>edit order</a:t>
+            </a:r>
+            <a:endParaRPr lang="en-US" i="1" dirty="0">
+              <a:latin typeface="Times" pitchFamily="2" charset="0"/>
+            </a:endParaRPr>
+          </a:p>
+        </p:txBody>
+      </p:sp>
     </p:spTree>
     <p:extLst>
       <p:ext uri="{BB962C8B-B14F-4D97-AF65-F5344CB8AC3E}">

--- a/documentation/Work Flow/Work Flow - Project - COMP 3005.pptx
+++ b/documentation/Work Flow/Work Flow - Project - COMP 3005.pptx
@@ -259,7 +259,7 @@
           <a:p>
             <a:fld id="{C38EC680-7B53-9746-A778-67F095A4B033}" type="datetimeFigureOut">
               <a:rPr lang="en-US" smtClean="0"/>
-              <a:t>4/11/20</a:t>
+              <a:t>4/11/2020</a:t>
             </a:fld>
             <a:endParaRPr lang="en-US"/>
           </a:p>
@@ -457,7 +457,7 @@
           <a:p>
             <a:fld id="{C38EC680-7B53-9746-A778-67F095A4B033}" type="datetimeFigureOut">
               <a:rPr lang="en-US" smtClean="0"/>
-              <a:t>4/11/20</a:t>
+              <a:t>4/11/2020</a:t>
             </a:fld>
             <a:endParaRPr lang="en-US"/>
           </a:p>
@@ -665,7 +665,7 @@
           <a:p>
             <a:fld id="{C38EC680-7B53-9746-A778-67F095A4B033}" type="datetimeFigureOut">
               <a:rPr lang="en-US" smtClean="0"/>
-              <a:t>4/11/20</a:t>
+              <a:t>4/11/2020</a:t>
             </a:fld>
             <a:endParaRPr lang="en-US"/>
           </a:p>
@@ -863,7 +863,7 @@
           <a:p>
             <a:fld id="{C38EC680-7B53-9746-A778-67F095A4B033}" type="datetimeFigureOut">
               <a:rPr lang="en-US" smtClean="0"/>
-              <a:t>4/11/20</a:t>
+              <a:t>4/11/2020</a:t>
             </a:fld>
             <a:endParaRPr lang="en-US"/>
           </a:p>
@@ -1138,7 +1138,7 @@
           <a:p>
             <a:fld id="{C38EC680-7B53-9746-A778-67F095A4B033}" type="datetimeFigureOut">
               <a:rPr lang="en-US" smtClean="0"/>
-              <a:t>4/11/20</a:t>
+              <a:t>4/11/2020</a:t>
             </a:fld>
             <a:endParaRPr lang="en-US"/>
           </a:p>
@@ -1403,7 +1403,7 @@
           <a:p>
             <a:fld id="{C38EC680-7B53-9746-A778-67F095A4B033}" type="datetimeFigureOut">
               <a:rPr lang="en-US" smtClean="0"/>
-              <a:t>4/11/20</a:t>
+              <a:t>4/11/2020</a:t>
             </a:fld>
             <a:endParaRPr lang="en-US"/>
           </a:p>
@@ -1815,7 +1815,7 @@
           <a:p>
             <a:fld id="{C38EC680-7B53-9746-A778-67F095A4B033}" type="datetimeFigureOut">
               <a:rPr lang="en-US" smtClean="0"/>
-              <a:t>4/11/20</a:t>
+              <a:t>4/11/2020</a:t>
             </a:fld>
             <a:endParaRPr lang="en-US"/>
           </a:p>
@@ -1956,7 +1956,7 @@
           <a:p>
             <a:fld id="{C38EC680-7B53-9746-A778-67F095A4B033}" type="datetimeFigureOut">
               <a:rPr lang="en-US" smtClean="0"/>
-              <a:t>4/11/20</a:t>
+              <a:t>4/11/2020</a:t>
             </a:fld>
             <a:endParaRPr lang="en-US"/>
           </a:p>
@@ -2069,7 +2069,7 @@
           <a:p>
             <a:fld id="{C38EC680-7B53-9746-A778-67F095A4B033}" type="datetimeFigureOut">
               <a:rPr lang="en-US" smtClean="0"/>
-              <a:t>4/11/20</a:t>
+              <a:t>4/11/2020</a:t>
             </a:fld>
             <a:endParaRPr lang="en-US"/>
           </a:p>
@@ -2380,7 +2380,7 @@
           <a:p>
             <a:fld id="{C38EC680-7B53-9746-A778-67F095A4B033}" type="datetimeFigureOut">
               <a:rPr lang="en-US" smtClean="0"/>
-              <a:t>4/11/20</a:t>
+              <a:t>4/11/2020</a:t>
             </a:fld>
             <a:endParaRPr lang="en-US"/>
           </a:p>
@@ -2668,7 +2668,7 @@
           <a:p>
             <a:fld id="{C38EC680-7B53-9746-A778-67F095A4B033}" type="datetimeFigureOut">
               <a:rPr lang="en-US" smtClean="0"/>
-              <a:t>4/11/20</a:t>
+              <a:t>4/11/2020</a:t>
             </a:fld>
             <a:endParaRPr lang="en-US"/>
           </a:p>
@@ -2909,7 +2909,7 @@
           <a:p>
             <a:fld id="{C38EC680-7B53-9746-A778-67F095A4B033}" type="datetimeFigureOut">
               <a:rPr lang="en-US" smtClean="0"/>
-              <a:t>4/11/20</a:t>
+              <a:t>4/11/2020</a:t>
             </a:fld>
             <a:endParaRPr lang="en-US"/>
           </a:p>
@@ -5681,7 +5681,7 @@
         </p:nvSpPr>
         <p:spPr>
           <a:xfrm>
-            <a:off x="1499230" y="2510228"/>
+            <a:off x="1495449" y="2371823"/>
             <a:ext cx="543739" cy="261610"/>
           </a:xfrm>
           <a:prstGeom prst="rect">
@@ -7528,6 +7528,127 @@
           </a:p>
         </p:txBody>
       </p:sp>
+      <p:sp>
+        <p:nvSpPr>
+          <p:cNvPr id="74" name="TextBox 73">
+            <a:extLst>
+              <a:ext uri="{FF2B5EF4-FFF2-40B4-BE49-F238E27FC236}">
+                <a16:creationId xmlns:a16="http://schemas.microsoft.com/office/drawing/2014/main" id="{519A3320-AEE9-4CCA-A84E-DFB8B26EBB8F}"/>
+              </a:ext>
+            </a:extLst>
+          </p:cNvPr>
+          <p:cNvSpPr txBox="1"/>
+          <p:nvPr/>
+        </p:nvSpPr>
+        <p:spPr>
+          <a:xfrm>
+            <a:off x="3758716" y="2493718"/>
+            <a:ext cx="551754" cy="261610"/>
+          </a:xfrm>
+          <a:prstGeom prst="rect">
+            <a:avLst/>
+          </a:prstGeom>
+          <a:noFill/>
+        </p:spPr>
+        <p:txBody>
+          <a:bodyPr wrap="none" rtlCol="0">
+            <a:spAutoFit/>
+          </a:bodyPr>
+          <a:lstStyle/>
+          <a:p>
+            <a:r>
+              <a:rPr lang="en-US" sz="1100" i="1" dirty="0">
+                <a:latin typeface="Times" pitchFamily="2" charset="0"/>
+              </a:rPr>
+              <a:t>cancel</a:t>
+            </a:r>
+            <a:endParaRPr lang="en-US" i="1" dirty="0">
+              <a:latin typeface="Times" pitchFamily="2" charset="0"/>
+            </a:endParaRPr>
+          </a:p>
+        </p:txBody>
+      </p:sp>
+      <p:sp>
+        <p:nvSpPr>
+          <p:cNvPr id="75" name="TextBox 74">
+            <a:extLst>
+              <a:ext uri="{FF2B5EF4-FFF2-40B4-BE49-F238E27FC236}">
+                <a16:creationId xmlns:a16="http://schemas.microsoft.com/office/drawing/2014/main" id="{643D2B5F-EE88-49A2-85DA-8BFACF35186D}"/>
+              </a:ext>
+            </a:extLst>
+          </p:cNvPr>
+          <p:cNvSpPr txBox="1"/>
+          <p:nvPr/>
+        </p:nvSpPr>
+        <p:spPr>
+          <a:xfrm>
+            <a:off x="5701878" y="2465184"/>
+            <a:ext cx="551754" cy="261610"/>
+          </a:xfrm>
+          <a:prstGeom prst="rect">
+            <a:avLst/>
+          </a:prstGeom>
+          <a:noFill/>
+        </p:spPr>
+        <p:txBody>
+          <a:bodyPr wrap="none" rtlCol="0">
+            <a:spAutoFit/>
+          </a:bodyPr>
+          <a:lstStyle/>
+          <a:p>
+            <a:r>
+              <a:rPr lang="en-US" sz="1100" i="1" dirty="0">
+                <a:latin typeface="Times" pitchFamily="2" charset="0"/>
+              </a:rPr>
+              <a:t>cancel</a:t>
+            </a:r>
+            <a:endParaRPr lang="en-US" i="1" dirty="0">
+              <a:latin typeface="Times" pitchFamily="2" charset="0"/>
+            </a:endParaRPr>
+          </a:p>
+        </p:txBody>
+      </p:sp>
+      <p:cxnSp>
+        <p:nvCxnSpPr>
+          <p:cNvPr id="79" name="Straight Arrow Connector 78">
+            <a:extLst>
+              <a:ext uri="{FF2B5EF4-FFF2-40B4-BE49-F238E27FC236}">
+                <a16:creationId xmlns:a16="http://schemas.microsoft.com/office/drawing/2014/main" id="{41A35DC7-BF3E-423B-BAB5-9A82EC03BC20}"/>
+              </a:ext>
+            </a:extLst>
+          </p:cNvPr>
+          <p:cNvCxnSpPr>
+            <a:cxnSpLocks/>
+          </p:cNvCxnSpPr>
+          <p:nvPr/>
+        </p:nvCxnSpPr>
+        <p:spPr>
+          <a:xfrm flipV="1">
+            <a:off x="1539803" y="2356602"/>
+            <a:ext cx="0" cy="347883"/>
+          </a:xfrm>
+          <a:prstGeom prst="straightConnector1">
+            <a:avLst/>
+          </a:prstGeom>
+          <a:ln w="12700">
+            <a:tailEnd type="triangle"/>
+          </a:ln>
+        </p:spPr>
+        <p:style>
+          <a:lnRef idx="1">
+            <a:schemeClr val="accent1"/>
+          </a:lnRef>
+          <a:fillRef idx="0">
+            <a:schemeClr val="accent1"/>
+          </a:fillRef>
+          <a:effectRef idx="0">
+            <a:schemeClr val="accent1"/>
+          </a:effectRef>
+          <a:fontRef idx="minor">
+            <a:schemeClr val="tx1"/>
+          </a:fontRef>
+        </p:style>
+      </p:cxnSp>
     </p:spTree>
     <p:extLst>
       <p:ext uri="{BB962C8B-B14F-4D97-AF65-F5344CB8AC3E}">
